--- a/455DS-Ch07_PipelinesAndPandas.pptx
+++ b/455DS-Ch07_PipelinesAndPandas.pptx
@@ -8167,7 +8167,15 @@
           <a:p>
             <a:r>
               <a:rPr lang="en-US" b="1" dirty="0"/>
-              <a:t>df.groupby('id).agg(pandas_mean(x.col))</a:t>
+              <a:t>df.groupby</a:t>
+            </a:r>
+            <a:r>
+              <a:rPr lang="en-US" b="1"/>
+              <a:t>('id').</a:t>
+            </a:r>
+            <a:r>
+              <a:rPr lang="en-US" b="1" dirty="0"/>
+              <a:t>agg(pandas_mean(x.col))</a:t>
             </a:r>
           </a:p>
         </p:txBody>
@@ -11297,12 +11305,9 @@
 </file>
 
 <file path=customXml/item1.xml><?xml version="1.0" encoding="utf-8"?>
-<?mso-contentType ?>
-<FormTemplates xmlns="http://schemas.microsoft.com/sharepoint/v3/contenttype/forms">
-  <Display>DocumentLibraryForm</Display>
-  <Edit>DocumentLibraryForm</Edit>
-  <New>DocumentLibraryForm</New>
-</FormTemplates>
+<p:properties xmlns:p="http://schemas.microsoft.com/office/2006/metadata/properties" xmlns:xsi="http://www.w3.org/2001/XMLSchema-instance" xmlns:pc="http://schemas.microsoft.com/office/infopath/2007/PartnerControls">
+  <documentManagement/>
+</p:properties>
 </file>
 
 <file path=customXml/item2.xml><?xml version="1.0" encoding="utf-8"?>
@@ -11458,15 +11463,26 @@
 </file>
 
 <file path=customXml/item3.xml><?xml version="1.0" encoding="utf-8"?>
-<p:properties xmlns:p="http://schemas.microsoft.com/office/2006/metadata/properties" xmlns:xsi="http://www.w3.org/2001/XMLSchema-instance" xmlns:pc="http://schemas.microsoft.com/office/infopath/2007/PartnerControls">
-  <documentManagement/>
-</p:properties>
+<?mso-contentType ?>
+<FormTemplates xmlns="http://schemas.microsoft.com/sharepoint/v3/contenttype/forms">
+  <Display>DocumentLibraryForm</Display>
+  <Edit>DocumentLibraryForm</Edit>
+  <New>DocumentLibraryForm</New>
+</FormTemplates>
 </file>
 
 <file path=customXml/itemProps1.xml><?xml version="1.0" encoding="utf-8"?>
-<ds:datastoreItem xmlns:ds="http://schemas.openxmlformats.org/officeDocument/2006/customXml" ds:itemID="{2DA015F3-603C-4688-A5F3-81D587DAB8C9}">
+<ds:datastoreItem xmlns:ds="http://schemas.openxmlformats.org/officeDocument/2006/customXml" ds:itemID="{F47B9207-CE5C-49AD-B414-15CBFA246D65}">
   <ds:schemaRefs>
-    <ds:schemaRef ds:uri="http://schemas.microsoft.com/sharepoint/v3/contenttype/forms"/>
+    <ds:schemaRef ds:uri="http://purl.org/dc/elements/1.1/"/>
+    <ds:schemaRef ds:uri="http://schemas.microsoft.com/office/2006/documentManagement/types"/>
+    <ds:schemaRef ds:uri="3f1ded34-099e-46dd-b0de-95a90e7e1e5f"/>
+    <ds:schemaRef ds:uri="http://purl.org/dc/dcmitype/"/>
+    <ds:schemaRef ds:uri="http://schemas.microsoft.com/office/infopath/2007/PartnerControls"/>
+    <ds:schemaRef ds:uri="http://schemas.microsoft.com/office/2006/metadata/properties"/>
+    <ds:schemaRef ds:uri="http://schemas.openxmlformats.org/package/2006/metadata/core-properties"/>
+    <ds:schemaRef ds:uri="http://www.w3.org/XML/1998/namespace"/>
+    <ds:schemaRef ds:uri="http://purl.org/dc/terms/"/>
   </ds:schemaRefs>
 </ds:datastoreItem>
 </file>
@@ -11490,17 +11506,9 @@
 </file>
 
 <file path=customXml/itemProps3.xml><?xml version="1.0" encoding="utf-8"?>
-<ds:datastoreItem xmlns:ds="http://schemas.openxmlformats.org/officeDocument/2006/customXml" ds:itemID="{F47B9207-CE5C-49AD-B414-15CBFA246D65}">
+<ds:datastoreItem xmlns:ds="http://schemas.openxmlformats.org/officeDocument/2006/customXml" ds:itemID="{2DA015F3-603C-4688-A5F3-81D587DAB8C9}">
   <ds:schemaRefs>
-    <ds:schemaRef ds:uri="http://purl.org/dc/elements/1.1/"/>
-    <ds:schemaRef ds:uri="http://schemas.microsoft.com/office/2006/documentManagement/types"/>
-    <ds:schemaRef ds:uri="3f1ded34-099e-46dd-b0de-95a90e7e1e5f"/>
-    <ds:schemaRef ds:uri="http://purl.org/dc/dcmitype/"/>
-    <ds:schemaRef ds:uri="http://schemas.microsoft.com/office/infopath/2007/PartnerControls"/>
-    <ds:schemaRef ds:uri="http://schemas.microsoft.com/office/2006/metadata/properties"/>
-    <ds:schemaRef ds:uri="http://schemas.openxmlformats.org/package/2006/metadata/core-properties"/>
-    <ds:schemaRef ds:uri="http://www.w3.org/XML/1998/namespace"/>
-    <ds:schemaRef ds:uri="http://purl.org/dc/terms/"/>
+    <ds:schemaRef ds:uri="http://schemas.microsoft.com/sharepoint/v3/contenttype/forms"/>
   </ds:schemaRefs>
 </ds:datastoreItem>
 </file>
--- a/455DS-Ch07_PipelinesAndPandas.pptx
+++ b/455DS-Ch07_PipelinesAndPandas.pptx
@@ -8167,15 +8167,7 @@
           <a:p>
             <a:r>
               <a:rPr lang="en-US" b="1" dirty="0"/>
-              <a:t>df.groupby</a:t>
-            </a:r>
-            <a:r>
-              <a:rPr lang="en-US" b="1"/>
-              <a:t>('id').</a:t>
-            </a:r>
-            <a:r>
-              <a:rPr lang="en-US" b="1" dirty="0"/>
-              <a:t>agg(pandas_mean(x.col))</a:t>
+              <a:t>df.groupby('id').agg(pandas_mean(x.col))</a:t>
             </a:r>
           </a:p>
         </p:txBody>
@@ -11311,6 +11303,15 @@
 </file>
 
 <file path=customXml/item2.xml><?xml version="1.0" encoding="utf-8"?>
+<?mso-contentType ?>
+<FormTemplates xmlns="http://schemas.microsoft.com/sharepoint/v3/contenttype/forms">
+  <Display>DocumentLibraryForm</Display>
+  <Edit>DocumentLibraryForm</Edit>
+  <New>DocumentLibraryForm</New>
+</FormTemplates>
+</file>
+
+<file path=customXml/item3.xml><?xml version="1.0" encoding="utf-8"?>
 <ct:contentTypeSchema xmlns:ct="http://schemas.microsoft.com/office/2006/metadata/contentType" xmlns:ma="http://schemas.microsoft.com/office/2006/metadata/properties/metaAttributes" ct:_="" ma:_="" ma:contentTypeName="Document" ma:contentTypeID="0x0101004C58D7A746750E48B9E257CBBD401C71" ma:contentTypeVersion="5" ma:contentTypeDescription="Create a new document." ma:contentTypeScope="" ma:versionID="9b104746e7bcdc89d5c9d8909bc79033">
   <xsd:schema xmlns:xsd="http://www.w3.org/2001/XMLSchema" xmlns:xs="http://www.w3.org/2001/XMLSchema" xmlns:p="http://schemas.microsoft.com/office/2006/metadata/properties" xmlns:ns2="3f1ded34-099e-46dd-b0de-95a90e7e1e5f" targetNamespace="http://schemas.microsoft.com/office/2006/metadata/properties" ma:root="true" ma:fieldsID="39039af933a2d9dca5a96354c4c2b0ed" ns2:_="">
     <xsd:import namespace="3f1ded34-099e-46dd-b0de-95a90e7e1e5f"/>
@@ -11462,15 +11463,6 @@
 </ct:contentTypeSchema>
 </file>
 
-<file path=customXml/item3.xml><?xml version="1.0" encoding="utf-8"?>
-<?mso-contentType ?>
-<FormTemplates xmlns="http://schemas.microsoft.com/sharepoint/v3/contenttype/forms">
-  <Display>DocumentLibraryForm</Display>
-  <Edit>DocumentLibraryForm</Edit>
-  <New>DocumentLibraryForm</New>
-</FormTemplates>
-</file>
-
 <file path=customXml/itemProps1.xml><?xml version="1.0" encoding="utf-8"?>
 <ds:datastoreItem xmlns:ds="http://schemas.openxmlformats.org/officeDocument/2006/customXml" ds:itemID="{F47B9207-CE5C-49AD-B414-15CBFA246D65}">
   <ds:schemaRefs>
@@ -11488,6 +11480,14 @@
 </file>
 
 <file path=customXml/itemProps2.xml><?xml version="1.0" encoding="utf-8"?>
+<ds:datastoreItem xmlns:ds="http://schemas.openxmlformats.org/officeDocument/2006/customXml" ds:itemID="{2DA015F3-603C-4688-A5F3-81D587DAB8C9}">
+  <ds:schemaRefs>
+    <ds:schemaRef ds:uri="http://schemas.microsoft.com/sharepoint/v3/contenttype/forms"/>
+  </ds:schemaRefs>
+</ds:datastoreItem>
+</file>
+
+<file path=customXml/itemProps3.xml><?xml version="1.0" encoding="utf-8"?>
 <ds:datastoreItem xmlns:ds="http://schemas.openxmlformats.org/officeDocument/2006/customXml" ds:itemID="{6751EBC6-C433-43E6-8F46-C6D6D677BF51}">
   <ds:schemaRefs>
     <ds:schemaRef ds:uri="http://schemas.microsoft.com/office/2006/metadata/contentType"/>
@@ -11503,12 +11503,4 @@
     <ds:schemaRef ds:uri="http://schemas.microsoft.com/internal/obd"/>
   </ds:schemaRefs>
 </ds:datastoreItem>
-</file>
-
-<file path=customXml/itemProps3.xml><?xml version="1.0" encoding="utf-8"?>
-<ds:datastoreItem xmlns:ds="http://schemas.openxmlformats.org/officeDocument/2006/customXml" ds:itemID="{2DA015F3-603C-4688-A5F3-81D587DAB8C9}">
-  <ds:schemaRefs>
-    <ds:schemaRef ds:uri="http://schemas.microsoft.com/sharepoint/v3/contenttype/forms"/>
-  </ds:schemaRefs>
-</ds:datastoreItem>
 </file>